--- a/ppts/3-2.1_Queue Quiz6.pptx
+++ b/ppts/3-2.1_Queue Quiz6.pptx
@@ -11,7 +11,7 @@
     <p:handoutMasterId r:id="rId4"/>
   </p:handoutMasterIdLst>
   <p:sldIdLst>
-    <p:sldId id="738" r:id="rId2"/>
+    <p:sldId id="739" r:id="rId2"/>
   </p:sldIdLst>
   <p:sldSz cx="13004800" cy="7315200"/>
   <p:notesSz cx="6858000" cy="9144000"/>
@@ -429,7 +429,7 @@
           <a:p>
             <a:fld id="{A9ADF8C7-AEDF-43D6-9DAF-DECAC1AD2E30}" type="datetimeFigureOut">
               <a:rPr lang="ko-KR" altLang="en-US" smtClean="0"/>
-              <a:t>2022-09-30</a:t>
+              <a:t>2023-04-03</a:t>
             </a:fld>
             <a:endParaRPr lang="ko-KR" altLang="en-US"/>
           </a:p>
@@ -736,7 +736,7 @@
     </p:spTree>
     <p:extLst>
       <p:ext uri="{BB962C8B-B14F-4D97-AF65-F5344CB8AC3E}">
-        <p14:creationId xmlns:p14="http://schemas.microsoft.com/office/powerpoint/2010/main" val="1942467784"/>
+        <p14:creationId xmlns:p14="http://schemas.microsoft.com/office/powerpoint/2010/main" val="3547969275"/>
       </p:ext>
     </p:extLst>
   </p:cSld>
@@ -3449,7 +3449,7 @@
           <a:p>
             <a:fld id="{AC778754-33AA-481A-B885-58843B94B2EC}" type="datetime1">
               <a:rPr lang="ko-KR" altLang="en-US" smtClean="0"/>
-              <a:t>2022-09-30</a:t>
+              <a:t>2023-04-03</a:t>
             </a:fld>
             <a:endParaRPr lang="ko-KR" altLang="en-US" dirty="0"/>
           </a:p>
@@ -4005,7 +4005,7 @@
         <p:spPr>
           <a:xfrm>
             <a:off x="518161" y="933733"/>
-            <a:ext cx="11968478" cy="6186309"/>
+            <a:ext cx="11968478" cy="4832092"/>
           </a:xfrm>
           <a:prstGeom prst="rect">
             <a:avLst/>
@@ -4030,405 +4030,330 @@
           <a:lstStyle/>
           <a:p>
             <a:r>
-              <a:rPr lang="en-US" altLang="ko-KR" sz="1800" dirty="0" smtClean="0">
+              <a:rPr lang="en-US" altLang="ko-KR" sz="1400" dirty="0">
                 <a:latin typeface="Consolas" panose="020B0609020204030204" pitchFamily="49" charset="0"/>
               </a:rPr>
-              <a:t>int </a:t>
-            </a:r>
-            <a:r>
-              <a:rPr lang="en-US" altLang="ko-KR" sz="1800" dirty="0">
+              <a:t>int main() {</a:t>
+            </a:r>
+          </a:p>
+          <a:p>
+            <a:r>
+              <a:rPr lang="en-US" altLang="ko-KR" sz="1400" dirty="0">
                 <a:latin typeface="Consolas" panose="020B0609020204030204" pitchFamily="49" charset="0"/>
               </a:rPr>
-              <a:t>main() {</a:t>
-            </a:r>
-          </a:p>
-          <a:p>
-            <a:r>
-              <a:rPr lang="en-US" altLang="ko-KR" sz="1800" dirty="0">
+              <a:t>    queue q = </a:t>
+            </a:r>
+            <a:r>
+              <a:rPr lang="en-US" altLang="ko-KR" sz="1400" dirty="0" err="1">
                 <a:latin typeface="Consolas" panose="020B0609020204030204" pitchFamily="49" charset="0"/>
               </a:rPr>
-              <a:t>    queue q = </a:t>
-            </a:r>
-            <a:r>
-              <a:rPr lang="en-US" altLang="ko-KR" sz="1800" dirty="0" err="1">
+              <a:t>newQueue</a:t>
+            </a:r>
+            <a:r>
+              <a:rPr lang="en-US" altLang="ko-KR" sz="1400" dirty="0">
                 <a:latin typeface="Consolas" panose="020B0609020204030204" pitchFamily="49" charset="0"/>
               </a:rPr>
-              <a:t>newQueue</a:t>
-            </a:r>
-            <a:r>
-              <a:rPr lang="en-US" altLang="ko-KR" sz="1800" dirty="0">
+              <a:t>();</a:t>
+            </a:r>
+          </a:p>
+          <a:p>
+            <a:r>
+              <a:rPr lang="en-US" altLang="ko-KR" sz="1400" dirty="0">
                 <a:latin typeface="Consolas" panose="020B0609020204030204" pitchFamily="49" charset="0"/>
               </a:rPr>
-              <a:t>();</a:t>
-            </a:r>
-          </a:p>
-          <a:p>
-            <a:r>
-              <a:rPr lang="en-US" altLang="ko-KR" sz="1800" dirty="0">
+              <a:t>    dequeue(q); </a:t>
+            </a:r>
+          </a:p>
+          <a:p>
+            <a:r>
+              <a:rPr lang="en-US" altLang="ko-KR" sz="1400" dirty="0">
                 <a:latin typeface="Consolas" panose="020B0609020204030204" pitchFamily="49" charset="0"/>
               </a:rPr>
-              <a:t>    dequeue(q); </a:t>
-            </a:r>
-            <a:endParaRPr lang="en-US" altLang="ko-KR" sz="1800" dirty="0" smtClean="0">
-              <a:latin typeface="Consolas" panose="020B0609020204030204" pitchFamily="49" charset="0"/>
-            </a:endParaRPr>
-          </a:p>
-          <a:p>
-            <a:r>
-              <a:rPr lang="en-US" altLang="ko-KR" sz="1800" dirty="0">
+              <a:t>    enqueue(q, 1);</a:t>
+            </a:r>
+          </a:p>
+          <a:p>
+            <a:r>
+              <a:rPr lang="en-US" altLang="ko-KR" sz="1400" dirty="0">
                 <a:latin typeface="Consolas" panose="020B0609020204030204" pitchFamily="49" charset="0"/>
               </a:rPr>
-              <a:t> </a:t>
-            </a:r>
-            <a:r>
-              <a:rPr lang="en-US" altLang="ko-KR" sz="1800" dirty="0" smtClean="0">
+              <a:t>    </a:t>
+            </a:r>
+            <a:r>
+              <a:rPr lang="en-US" altLang="ko-KR" sz="1400" dirty="0" err="1">
                 <a:latin typeface="Consolas" panose="020B0609020204030204" pitchFamily="49" charset="0"/>
               </a:rPr>
-              <a:t>   enqueue(q</a:t>
-            </a:r>
-            <a:r>
-              <a:rPr lang="en-US" altLang="ko-KR" sz="1800" dirty="0">
+              <a:t>enqueue</a:t>
+            </a:r>
+            <a:r>
+              <a:rPr lang="en-US" altLang="ko-KR" sz="1400" dirty="0">
                 <a:latin typeface="Consolas" panose="020B0609020204030204" pitchFamily="49" charset="0"/>
               </a:rPr>
-              <a:t>, 1);</a:t>
-            </a:r>
-          </a:p>
-          <a:p>
-            <a:r>
-              <a:rPr lang="en-US" altLang="ko-KR" sz="1800" dirty="0">
+              <a:t>(q, 2);</a:t>
+            </a:r>
+          </a:p>
+          <a:p>
+            <a:r>
+              <a:rPr lang="en-US" altLang="ko-KR" sz="1400" dirty="0">
                 <a:latin typeface="Consolas" panose="020B0609020204030204" pitchFamily="49" charset="0"/>
               </a:rPr>
               <a:t>    </a:t>
             </a:r>
             <a:r>
-              <a:rPr lang="en-US" altLang="ko-KR" sz="1800" dirty="0" err="1">
+              <a:rPr lang="en-US" altLang="ko-KR" sz="1400" dirty="0" err="1">
                 <a:latin typeface="Consolas" panose="020B0609020204030204" pitchFamily="49" charset="0"/>
               </a:rPr>
               <a:t>enqueue</a:t>
             </a:r>
             <a:r>
-              <a:rPr lang="en-US" altLang="ko-KR" sz="1800" dirty="0">
+              <a:rPr lang="en-US" altLang="ko-KR" sz="1400" dirty="0">
                 <a:latin typeface="Consolas" panose="020B0609020204030204" pitchFamily="49" charset="0"/>
               </a:rPr>
-              <a:t>(q, 2);</a:t>
-            </a:r>
-          </a:p>
-          <a:p>
-            <a:r>
-              <a:rPr lang="en-US" altLang="ko-KR" sz="1800" dirty="0">
+              <a:t>(q, 3);</a:t>
+            </a:r>
+          </a:p>
+          <a:p>
+            <a:r>
+              <a:rPr lang="en-US" altLang="ko-KR" sz="1400" dirty="0">
                 <a:latin typeface="Consolas" panose="020B0609020204030204" pitchFamily="49" charset="0"/>
               </a:rPr>
               <a:t>    </a:t>
             </a:r>
             <a:r>
-              <a:rPr lang="en-US" altLang="ko-KR" sz="1800" dirty="0" err="1">
+              <a:rPr lang="en-US" altLang="ko-KR" sz="1400" dirty="0" err="1">
                 <a:latin typeface="Consolas" panose="020B0609020204030204" pitchFamily="49" charset="0"/>
               </a:rPr>
               <a:t>enqueue</a:t>
             </a:r>
             <a:r>
-              <a:rPr lang="en-US" altLang="ko-KR" sz="1800" dirty="0">
+              <a:rPr lang="en-US" altLang="ko-KR" sz="1400" dirty="0">
                 <a:latin typeface="Consolas" panose="020B0609020204030204" pitchFamily="49" charset="0"/>
               </a:rPr>
-              <a:t>(q, 3);</a:t>
-            </a:r>
-          </a:p>
-          <a:p>
-            <a:r>
-              <a:rPr lang="en-US" altLang="ko-KR" sz="1800" dirty="0">
+              <a:t>(q, 4);</a:t>
+            </a:r>
+          </a:p>
+          <a:p>
+            <a:r>
+              <a:rPr lang="en-US" altLang="ko-KR" sz="1400" dirty="0">
                 <a:latin typeface="Consolas" panose="020B0609020204030204" pitchFamily="49" charset="0"/>
               </a:rPr>
               <a:t>    </a:t>
             </a:r>
             <a:r>
-              <a:rPr lang="en-US" altLang="ko-KR" sz="1800" dirty="0" err="1">
+              <a:rPr lang="en-US" altLang="ko-KR" sz="1400" dirty="0" err="1">
                 <a:latin typeface="Consolas" panose="020B0609020204030204" pitchFamily="49" charset="0"/>
               </a:rPr>
               <a:t>enqueue</a:t>
             </a:r>
             <a:r>
-              <a:rPr lang="en-US" altLang="ko-KR" sz="1800" dirty="0">
+              <a:rPr lang="en-US" altLang="ko-KR" sz="1400" dirty="0">
                 <a:latin typeface="Consolas" panose="020B0609020204030204" pitchFamily="49" charset="0"/>
               </a:rPr>
-              <a:t>(q, 4);</a:t>
-            </a:r>
-          </a:p>
-          <a:p>
-            <a:r>
-              <a:rPr lang="en-US" altLang="ko-KR" sz="1800" dirty="0">
+              <a:t>(q, 5);</a:t>
+            </a:r>
+          </a:p>
+          <a:p>
+            <a:r>
+              <a:rPr lang="en-US" altLang="ko-KR" sz="1400" dirty="0">
                 <a:latin typeface="Consolas" panose="020B0609020204030204" pitchFamily="49" charset="0"/>
               </a:rPr>
+              <a:t>    enqueue(q, 6); </a:t>
+            </a:r>
+          </a:p>
+          <a:p>
+            <a:r>
+              <a:rPr lang="en-US" altLang="ko-KR" sz="1400" dirty="0">
+                <a:latin typeface="Consolas" panose="020B0609020204030204" pitchFamily="49" charset="0"/>
+              </a:rPr>
+              <a:t>    display(q);</a:t>
+            </a:r>
+          </a:p>
+          <a:p>
+            <a:r>
+              <a:rPr lang="en-US" altLang="ko-KR" sz="1400" dirty="0">
+                <a:latin typeface="Consolas" panose="020B0609020204030204" pitchFamily="49" charset="0"/>
+              </a:rPr>
+              <a:t>    int </a:t>
+            </a:r>
+            <a:r>
+              <a:rPr lang="en-US" altLang="ko-KR" sz="1400" dirty="0" err="1">
+                <a:latin typeface="Consolas" panose="020B0609020204030204" pitchFamily="49" charset="0"/>
+              </a:rPr>
+              <a:t>elem</a:t>
+            </a:r>
+            <a:r>
+              <a:rPr lang="en-US" altLang="ko-KR" sz="1400" dirty="0">
+                <a:latin typeface="Consolas" panose="020B0609020204030204" pitchFamily="49" charset="0"/>
+              </a:rPr>
+              <a:t> = </a:t>
+            </a:r>
+            <a:r>
+              <a:rPr lang="en-US" altLang="ko-KR" sz="1400" dirty="0" err="1">
+                <a:latin typeface="Consolas" panose="020B0609020204030204" pitchFamily="49" charset="0"/>
+              </a:rPr>
+              <a:t>dequeue</a:t>
+            </a:r>
+            <a:r>
+              <a:rPr lang="en-US" altLang="ko-KR" sz="1400" dirty="0">
+                <a:latin typeface="Consolas" panose="020B0609020204030204" pitchFamily="49" charset="0"/>
+              </a:rPr>
+              <a:t>(q);</a:t>
+            </a:r>
+          </a:p>
+          <a:p>
+            <a:r>
+              <a:rPr lang="en-US" altLang="ko-KR" sz="1400" dirty="0">
+                <a:latin typeface="Consolas" panose="020B0609020204030204" pitchFamily="49" charset="0"/>
+              </a:rPr>
+              <a:t>    if (</a:t>
+            </a:r>
+            <a:r>
+              <a:rPr lang="en-US" altLang="ko-KR" sz="1400" dirty="0" err="1">
+                <a:latin typeface="Consolas" panose="020B0609020204030204" pitchFamily="49" charset="0"/>
+              </a:rPr>
+              <a:t>elem</a:t>
+            </a:r>
+            <a:r>
+              <a:rPr lang="en-US" altLang="ko-KR" sz="1400" dirty="0">
+                <a:latin typeface="Consolas" panose="020B0609020204030204" pitchFamily="49" charset="0"/>
+              </a:rPr>
+              <a:t> != -1)</a:t>
+            </a:r>
+          </a:p>
+          <a:p>
+            <a:r>
+              <a:rPr lang="en-US" altLang="ko-KR" sz="1400" dirty="0">
+                <a:latin typeface="Consolas" panose="020B0609020204030204" pitchFamily="49" charset="0"/>
+              </a:rPr>
+              <a:t>       cout &lt;&lt; "</a:t>
+            </a:r>
+            <a:r>
+              <a:rPr lang="en-US" altLang="ko-KR" sz="1400" dirty="0" err="1">
+                <a:latin typeface="Consolas" panose="020B0609020204030204" pitchFamily="49" charset="0"/>
+              </a:rPr>
+              <a:t>dequeued</a:t>
+            </a:r>
+            <a:r>
+              <a:rPr lang="en-US" altLang="ko-KR" sz="1400" dirty="0">
+                <a:latin typeface="Consolas" panose="020B0609020204030204" pitchFamily="49" charset="0"/>
+              </a:rPr>
+              <a:t>: " &lt;&lt; </a:t>
+            </a:r>
+            <a:r>
+              <a:rPr lang="en-US" altLang="ko-KR" sz="1400" dirty="0" err="1">
+                <a:latin typeface="Consolas" panose="020B0609020204030204" pitchFamily="49" charset="0"/>
+              </a:rPr>
+              <a:t>elem</a:t>
+            </a:r>
+            <a:r>
+              <a:rPr lang="en-US" altLang="ko-KR" sz="1400" dirty="0">
+                <a:latin typeface="Consolas" panose="020B0609020204030204" pitchFamily="49" charset="0"/>
+              </a:rPr>
+              <a:t> &lt;&lt; endl;</a:t>
+            </a:r>
+          </a:p>
+          <a:p>
+            <a:r>
+              <a:rPr lang="en-US" altLang="ko-KR" sz="1400" dirty="0">
+                <a:latin typeface="Consolas" panose="020B0609020204030204" pitchFamily="49" charset="0"/>
+              </a:rPr>
+              <a:t>    display(q);</a:t>
+            </a:r>
+          </a:p>
+          <a:p>
+            <a:r>
+              <a:rPr lang="en-US" altLang="ko-KR" sz="1400" dirty="0">
+                <a:latin typeface="Consolas" panose="020B0609020204030204" pitchFamily="49" charset="0"/>
+              </a:rPr>
               <a:t>    </a:t>
             </a:r>
             <a:r>
-              <a:rPr lang="en-US" altLang="ko-KR" sz="1800" dirty="0" err="1">
+              <a:rPr lang="en-US" altLang="ko-KR" sz="1400" dirty="0" err="1">
                 <a:latin typeface="Consolas" panose="020B0609020204030204" pitchFamily="49" charset="0"/>
               </a:rPr>
               <a:t>enqueue</a:t>
             </a:r>
             <a:r>
-              <a:rPr lang="en-US" altLang="ko-KR" sz="1800" dirty="0">
+              <a:rPr lang="en-US" altLang="ko-KR" sz="1400" dirty="0">
                 <a:latin typeface="Consolas" panose="020B0609020204030204" pitchFamily="49" charset="0"/>
               </a:rPr>
-              <a:t>(q, 5);</a:t>
-            </a:r>
-          </a:p>
-          <a:p>
-            <a:r>
-              <a:rPr lang="en-US" altLang="ko-KR" sz="1800" dirty="0">
+              <a:t>(q, 7);</a:t>
+            </a:r>
+          </a:p>
+          <a:p>
+            <a:r>
+              <a:rPr lang="en-US" altLang="ko-KR" sz="1400" dirty="0">
                 <a:latin typeface="Consolas" panose="020B0609020204030204" pitchFamily="49" charset="0"/>
               </a:rPr>
-              <a:t>    enqueue(q, 6); </a:t>
-            </a:r>
-          </a:p>
-          <a:p>
-            <a:r>
-              <a:rPr lang="en-US" altLang="ko-KR" sz="1800" dirty="0">
+              <a:t>    display(q);</a:t>
+            </a:r>
+          </a:p>
+          <a:p>
+            <a:r>
+              <a:rPr lang="en-US" altLang="ko-KR" sz="1400" dirty="0">
                 <a:latin typeface="Consolas" panose="020B0609020204030204" pitchFamily="49" charset="0"/>
               </a:rPr>
-              <a:t>    display(q);</a:t>
-            </a:r>
-          </a:p>
-          <a:p>
-            <a:r>
-              <a:rPr lang="en-US" altLang="ko-KR" sz="1800" dirty="0" smtClean="0">
+              <a:t>    enqueue(q, 8); </a:t>
+            </a:r>
+          </a:p>
+          <a:p>
+            <a:r>
+              <a:rPr lang="en-US" altLang="ko-KR" sz="1400" dirty="0">
                 <a:latin typeface="Consolas" panose="020B0609020204030204" pitchFamily="49" charset="0"/>
               </a:rPr>
-              <a:t>    </a:t>
-            </a:r>
-            <a:r>
-              <a:rPr lang="en-US" altLang="ko-KR" sz="1800" dirty="0">
+              <a:t>    dequeue(q);</a:t>
+            </a:r>
+          </a:p>
+          <a:p>
+            <a:r>
+              <a:rPr lang="en-US" altLang="ko-KR" sz="1400" dirty="0">
                 <a:latin typeface="Consolas" panose="020B0609020204030204" pitchFamily="49" charset="0"/>
               </a:rPr>
-              <a:t>int </a:t>
-            </a:r>
-            <a:r>
-              <a:rPr lang="en-US" altLang="ko-KR" sz="1800" dirty="0" err="1">
+              <a:t>    dequeue(q);</a:t>
+            </a:r>
+          </a:p>
+          <a:p>
+            <a:r>
+              <a:rPr lang="en-US" altLang="ko-KR" sz="1400" dirty="0">
                 <a:latin typeface="Consolas" panose="020B0609020204030204" pitchFamily="49" charset="0"/>
               </a:rPr>
-              <a:t>elem</a:t>
-            </a:r>
-            <a:r>
-              <a:rPr lang="en-US" altLang="ko-KR" sz="1800" dirty="0">
+              <a:t>    display(q); </a:t>
+            </a:r>
+          </a:p>
+          <a:p>
+            <a:r>
+              <a:rPr lang="en-US" altLang="ko-KR" sz="1400" dirty="0">
                 <a:latin typeface="Consolas" panose="020B0609020204030204" pitchFamily="49" charset="0"/>
               </a:rPr>
-              <a:t> = </a:t>
-            </a:r>
-            <a:r>
-              <a:rPr lang="en-US" altLang="ko-KR" sz="1800" dirty="0" err="1">
+              <a:t>    return 0;</a:t>
+            </a:r>
+          </a:p>
+          <a:p>
+            <a:r>
+              <a:rPr lang="en-US" altLang="ko-KR" sz="1400" smtClean="0">
                 <a:latin typeface="Consolas" panose="020B0609020204030204" pitchFamily="49" charset="0"/>
               </a:rPr>
-              <a:t>dequeue</a:t>
-            </a:r>
-            <a:r>
-              <a:rPr lang="en-US" altLang="ko-KR" sz="1800" dirty="0">
-                <a:latin typeface="Consolas" panose="020B0609020204030204" pitchFamily="49" charset="0"/>
-              </a:rPr>
-              <a:t>(q);</a:t>
-            </a:r>
-          </a:p>
-          <a:p>
-            <a:r>
-              <a:rPr lang="en-US" altLang="ko-KR" sz="1800" dirty="0">
-                <a:latin typeface="Consolas" panose="020B0609020204030204" pitchFamily="49" charset="0"/>
-              </a:rPr>
-              <a:t>    if </a:t>
-            </a:r>
-            <a:r>
-              <a:rPr lang="en-US" altLang="ko-KR" sz="1800" dirty="0" smtClean="0">
-                <a:latin typeface="Consolas" panose="020B0609020204030204" pitchFamily="49" charset="0"/>
-              </a:rPr>
-              <a:t>(</a:t>
-            </a:r>
-            <a:r>
-              <a:rPr lang="en-US" altLang="ko-KR" sz="1800" dirty="0" err="1" smtClean="0">
-                <a:latin typeface="Consolas" panose="020B0609020204030204" pitchFamily="49" charset="0"/>
-              </a:rPr>
-              <a:t>elem</a:t>
-            </a:r>
-            <a:r>
-              <a:rPr lang="en-US" altLang="ko-KR" sz="1800" dirty="0" smtClean="0">
-                <a:latin typeface="Consolas" panose="020B0609020204030204" pitchFamily="49" charset="0"/>
-              </a:rPr>
-              <a:t> </a:t>
-            </a:r>
-            <a:r>
-              <a:rPr lang="en-US" altLang="ko-KR" sz="1800" dirty="0">
-                <a:latin typeface="Consolas" panose="020B0609020204030204" pitchFamily="49" charset="0"/>
-              </a:rPr>
-              <a:t>!= -1)</a:t>
-            </a:r>
-          </a:p>
-          <a:p>
-            <a:r>
-              <a:rPr lang="en-US" altLang="ko-KR" sz="1800" dirty="0">
-                <a:latin typeface="Consolas" panose="020B0609020204030204" pitchFamily="49" charset="0"/>
-              </a:rPr>
-              <a:t>       cout &lt;&lt; "</a:t>
-            </a:r>
-            <a:r>
-              <a:rPr lang="en-US" altLang="ko-KR" sz="1800" dirty="0" err="1">
-                <a:latin typeface="Consolas" panose="020B0609020204030204" pitchFamily="49" charset="0"/>
-              </a:rPr>
-              <a:t>dequeued</a:t>
-            </a:r>
-            <a:r>
-              <a:rPr lang="en-US" altLang="ko-KR" sz="1800" dirty="0">
-                <a:latin typeface="Consolas" panose="020B0609020204030204" pitchFamily="49" charset="0"/>
-              </a:rPr>
-              <a:t>: " &lt;&lt; </a:t>
-            </a:r>
-            <a:r>
-              <a:rPr lang="en-US" altLang="ko-KR" sz="1800" dirty="0" err="1">
-                <a:latin typeface="Consolas" panose="020B0609020204030204" pitchFamily="49" charset="0"/>
-              </a:rPr>
-              <a:t>elem</a:t>
-            </a:r>
-            <a:r>
-              <a:rPr lang="en-US" altLang="ko-KR" sz="1800" dirty="0">
-                <a:latin typeface="Consolas" panose="020B0609020204030204" pitchFamily="49" charset="0"/>
-              </a:rPr>
-              <a:t> &lt;&lt; endl</a:t>
-            </a:r>
-            <a:r>
-              <a:rPr lang="en-US" altLang="ko-KR" sz="1800" dirty="0" smtClean="0">
-                <a:latin typeface="Consolas" panose="020B0609020204030204" pitchFamily="49" charset="0"/>
-              </a:rPr>
-              <a:t>;</a:t>
-            </a:r>
-          </a:p>
-          <a:p>
-            <a:r>
-              <a:rPr lang="en-US" altLang="ko-KR" sz="1800" dirty="0">
-                <a:latin typeface="Consolas" panose="020B0609020204030204" pitchFamily="49" charset="0"/>
-              </a:rPr>
-              <a:t> </a:t>
-            </a:r>
-            <a:r>
-              <a:rPr lang="en-US" altLang="ko-KR" sz="1800" dirty="0" smtClean="0">
-                <a:latin typeface="Consolas" panose="020B0609020204030204" pitchFamily="49" charset="0"/>
-              </a:rPr>
-              <a:t>   display(q</a:t>
-            </a:r>
-            <a:r>
-              <a:rPr lang="en-US" altLang="ko-KR" sz="1800" dirty="0">
-                <a:latin typeface="Consolas" panose="020B0609020204030204" pitchFamily="49" charset="0"/>
-              </a:rPr>
-              <a:t>);</a:t>
-            </a:r>
-          </a:p>
-          <a:p>
-            <a:r>
-              <a:rPr lang="en-US" altLang="ko-KR" sz="1800" dirty="0">
-                <a:latin typeface="Consolas" panose="020B0609020204030204" pitchFamily="49" charset="0"/>
-              </a:rPr>
-              <a:t>    </a:t>
-            </a:r>
-            <a:r>
-              <a:rPr lang="en-US" altLang="ko-KR" sz="1800" dirty="0" err="1">
-                <a:latin typeface="Consolas" panose="020B0609020204030204" pitchFamily="49" charset="0"/>
-              </a:rPr>
-              <a:t>enqueue</a:t>
-            </a:r>
-            <a:r>
-              <a:rPr lang="en-US" altLang="ko-KR" sz="1800" dirty="0">
-                <a:latin typeface="Consolas" panose="020B0609020204030204" pitchFamily="49" charset="0"/>
-              </a:rPr>
-              <a:t>(q, 7);</a:t>
-            </a:r>
-          </a:p>
-          <a:p>
-            <a:r>
-              <a:rPr lang="en-US" altLang="ko-KR" sz="1800" dirty="0">
-                <a:latin typeface="Consolas" panose="020B0609020204030204" pitchFamily="49" charset="0"/>
-              </a:rPr>
-              <a:t>    display(q);</a:t>
-            </a:r>
-          </a:p>
-          <a:p>
-            <a:r>
-              <a:rPr lang="en-US" altLang="ko-KR" sz="1800" dirty="0">
-                <a:latin typeface="Consolas" panose="020B0609020204030204" pitchFamily="49" charset="0"/>
-              </a:rPr>
-              <a:t>    enqueue(q, 8); </a:t>
-            </a:r>
-            <a:endParaRPr lang="en-US" altLang="ko-KR" sz="1800" dirty="0" smtClean="0">
-              <a:latin typeface="Consolas" panose="020B0609020204030204" pitchFamily="49" charset="0"/>
-            </a:endParaRPr>
-          </a:p>
-          <a:p>
-            <a:r>
-              <a:rPr lang="en-US" altLang="ko-KR" sz="1800" dirty="0">
-                <a:latin typeface="Consolas" panose="020B0609020204030204" pitchFamily="49" charset="0"/>
-              </a:rPr>
-              <a:t> </a:t>
-            </a:r>
-            <a:r>
-              <a:rPr lang="en-US" altLang="ko-KR" sz="1800" dirty="0" smtClean="0">
-                <a:latin typeface="Consolas" panose="020B0609020204030204" pitchFamily="49" charset="0"/>
-              </a:rPr>
-              <a:t>   dequeue(q</a:t>
-            </a:r>
-            <a:r>
-              <a:rPr lang="en-US" altLang="ko-KR" sz="1800" dirty="0">
-                <a:latin typeface="Consolas" panose="020B0609020204030204" pitchFamily="49" charset="0"/>
-              </a:rPr>
-              <a:t>);</a:t>
-            </a:r>
-          </a:p>
-          <a:p>
-            <a:r>
-              <a:rPr lang="en-US" altLang="ko-KR" sz="1800" dirty="0">
-                <a:latin typeface="Consolas" panose="020B0609020204030204" pitchFamily="49" charset="0"/>
-              </a:rPr>
-              <a:t>    dequeue(q);</a:t>
-            </a:r>
-          </a:p>
-          <a:p>
-            <a:r>
-              <a:rPr lang="en-US" altLang="ko-KR" sz="1800" dirty="0">
-                <a:latin typeface="Consolas" panose="020B0609020204030204" pitchFamily="49" charset="0"/>
-              </a:rPr>
-              <a:t>    display(q); </a:t>
-            </a:r>
-          </a:p>
-          <a:p>
-            <a:r>
-              <a:rPr lang="en-US" altLang="ko-KR" sz="1800" dirty="0">
-                <a:latin typeface="Consolas" panose="020B0609020204030204" pitchFamily="49" charset="0"/>
-              </a:rPr>
-              <a:t>    return 0</a:t>
-            </a:r>
-            <a:r>
-              <a:rPr lang="en-US" altLang="ko-KR" sz="1800" dirty="0" smtClean="0">
-                <a:latin typeface="Consolas" panose="020B0609020204030204" pitchFamily="49" charset="0"/>
-              </a:rPr>
-              <a:t>;</a:t>
-            </a:r>
-          </a:p>
-          <a:p>
-            <a:r>
-              <a:rPr lang="en-US" altLang="ko-KR" sz="1800" dirty="0">
-                <a:latin typeface="Consolas" panose="020B0609020204030204" pitchFamily="49" charset="0"/>
-              </a:rPr>
               <a:t>}</a:t>
             </a:r>
-            <a:endParaRPr lang="ko-KR" altLang="en-US" sz="1800" dirty="0">
-              <a:latin typeface="Consolas" panose="020B0609020204030204" pitchFamily="49" charset="0"/>
-            </a:endParaRPr>
           </a:p>
         </p:txBody>
       </p:sp>
       <p:sp>
         <p:nvSpPr>
-          <p:cNvPr id="3" name="직사각형 2"/>
+          <p:cNvPr id="5" name="직사각형 4">
+            <a:extLst>
+              <a:ext uri="{FF2B5EF4-FFF2-40B4-BE49-F238E27FC236}">
+                <a16:creationId xmlns:a16="http://schemas.microsoft.com/office/drawing/2014/main" id="{16557FE8-F29C-F61F-1D86-97E2377F8371}"/>
+              </a:ext>
+            </a:extLst>
+          </p:cNvPr>
           <p:cNvSpPr/>
           <p:nvPr/>
         </p:nvSpPr>
         <p:spPr>
           <a:xfrm>
-            <a:off x="5227983" y="5075262"/>
-            <a:ext cx="6869825" cy="1846659"/>
+            <a:off x="5616814" y="5242757"/>
+            <a:ext cx="6869825" cy="1815882"/>
           </a:xfrm>
           <a:prstGeom prst="rect">
             <a:avLst/>
@@ -4453,59 +4378,101 @@
           <a:lstStyle/>
           <a:p>
             <a:r>
-              <a:rPr lang="en-US" altLang="ko-KR" dirty="0" smtClean="0"/>
+              <a:rPr lang="en-US" altLang="ko-KR" sz="1600" dirty="0"/>
               <a:t>Quiz:  </a:t>
             </a:r>
           </a:p>
           <a:p>
-            <a:pPr marL="342900" indent="-342900">
-              <a:buFont typeface="Arial" panose="020B0604020202020204" pitchFamily="34" charset="0"/>
-              <a:buChar char="•"/>
-            </a:pPr>
-            <a:r>
-              <a:rPr lang="en-US" altLang="ko-KR" dirty="0" smtClean="0"/>
-              <a:t>How many failures occurred?</a:t>
-            </a:r>
-          </a:p>
-          <a:p>
-            <a:pPr marL="342900" indent="-342900">
-              <a:buFont typeface="Arial" panose="020B0604020202020204" pitchFamily="34" charset="0"/>
-              <a:buChar char="•"/>
-            </a:pPr>
-            <a:r>
-              <a:rPr lang="en-US" altLang="ko-KR" dirty="0" smtClean="0"/>
-              <a:t>At the end of running this main(), </a:t>
-            </a:r>
-            <a:r>
-              <a:rPr lang="en-US" altLang="ko-KR" dirty="0"/>
+            <a:r>
+              <a:rPr lang="en-US" altLang="ko-KR" sz="1600"/>
+              <a:t>1. How </a:t>
+            </a:r>
+            <a:r>
+              <a:rPr lang="en-US" altLang="ko-KR" sz="1600" dirty="0"/>
+              <a:t>many failures occurred?</a:t>
+            </a:r>
+          </a:p>
+          <a:p>
+            <a:r>
+              <a:rPr lang="en-US" altLang="ko-KR" sz="1600"/>
+              <a:t>2. At </a:t>
+            </a:r>
+            <a:r>
+              <a:rPr lang="en-US" altLang="ko-KR" sz="1600" dirty="0"/>
+              <a:t>the end of running this main</a:t>
+            </a:r>
+            <a:r>
+              <a:rPr lang="en-US" altLang="ko-KR" sz="1600"/>
+              <a:t>(), </a:t>
+            </a:r>
+          </a:p>
+          <a:p>
+            <a:r>
+              <a:rPr lang="en-US" altLang="ko-KR" sz="1600"/>
+              <a:t>    (1) draw </a:t>
+            </a:r>
+            <a:r>
+              <a:rPr lang="en-US" altLang="ko-KR" sz="1600" dirty="0"/>
+              <a:t>a diagram that shows the status of queue </a:t>
+            </a:r>
+            <a:r>
+              <a:rPr lang="en-US" altLang="ko-KR" sz="1600"/>
+              <a:t>items and</a:t>
+            </a:r>
+          </a:p>
+          <a:p>
+            <a:r>
+              <a:rPr lang="en-US" altLang="ko-KR" sz="1600"/>
+              <a:t>     the </a:t>
+            </a:r>
+            <a:r>
+              <a:rPr lang="en-US" altLang="ko-KR" sz="1600" dirty="0"/>
+              <a:t>locations of front and rear.</a:t>
+            </a:r>
+            <a:r>
+              <a:rPr lang="en-US" altLang="ko-KR" sz="1600"/>
               <a:t/>
             </a:r>
             <a:br>
-              <a:rPr lang="en-US" altLang="ko-KR" dirty="0"/>
+              <a:rPr lang="en-US" altLang="ko-KR" sz="1600"/>
             </a:br>
             <a:r>
-              <a:rPr lang="en-US" altLang="ko-KR" dirty="0" smtClean="0"/>
-              <a:t>(1) draw a diagram that shows the status of queue items as well as the locations of front and rear.</a:t>
-            </a:r>
-            <a:br>
-              <a:rPr lang="en-US" altLang="ko-KR" dirty="0" smtClean="0"/>
-            </a:br>
-            <a:r>
-              <a:rPr lang="en-US" altLang="ko-KR" dirty="0" smtClean="0"/>
-              <a:t>(2) write elements in the queue from front to rear.</a:t>
-            </a:r>
+              <a:rPr lang="en-US" altLang="ko-KR" sz="1600"/>
+              <a:t>    (</a:t>
+            </a:r>
+            <a:r>
+              <a:rPr lang="en-US" altLang="ko-KR" sz="1600" dirty="0"/>
+              <a:t>2) write elements in the queue from front to </a:t>
+            </a:r>
+            <a:r>
+              <a:rPr lang="en-US" altLang="ko-KR" sz="1600"/>
+              <a:t>rear.</a:t>
+            </a:r>
+          </a:p>
+          <a:p>
+            <a:r>
+              <a:rPr lang="en-US" altLang="ko-KR" sz="1600"/>
+              <a:t>3 Debug display() function and complete assert() statement.</a:t>
+            </a:r>
+            <a:endParaRPr lang="en-US" altLang="ko-KR" sz="1600" dirty="0"/>
           </a:p>
         </p:txBody>
       </p:sp>
       <p:grpSp>
         <p:nvGrpSpPr>
-          <p:cNvPr id="6" name="그룹 5"/>
+          <p:cNvPr id="22" name="그룹 21">
+            <a:extLst>
+              <a:ext uri="{FF2B5EF4-FFF2-40B4-BE49-F238E27FC236}">
+                <a16:creationId xmlns:a16="http://schemas.microsoft.com/office/drawing/2014/main" id="{ACCFAB41-E87B-DCE3-71CC-70353061D3CF}"/>
+              </a:ext>
+            </a:extLst>
+          </p:cNvPr>
           <p:cNvGrpSpPr/>
           <p:nvPr/>
         </p:nvGrpSpPr>
         <p:grpSpPr>
           <a:xfrm>
-            <a:off x="9240308" y="3277825"/>
+            <a:off x="9272488" y="3259230"/>
             <a:ext cx="2857500" cy="1703106"/>
             <a:chOff x="6653519" y="5010528"/>
             <a:chExt cx="2857500" cy="1703106"/>
@@ -4513,7 +4480,13 @@
         </p:grpSpPr>
         <p:grpSp>
           <p:nvGrpSpPr>
-            <p:cNvPr id="7" name="그룹 6"/>
+            <p:cNvPr id="23" name="그룹 22">
+              <a:extLst>
+                <a:ext uri="{FF2B5EF4-FFF2-40B4-BE49-F238E27FC236}">
+                  <a16:creationId xmlns:a16="http://schemas.microsoft.com/office/drawing/2014/main" id="{34B0CF6F-95C3-500B-A6A8-EEA50D6E7741}"/>
+                </a:ext>
+              </a:extLst>
+            </p:cNvPr>
             <p:cNvGrpSpPr/>
             <p:nvPr/>
           </p:nvGrpSpPr>
@@ -4527,7 +4500,13 @@
           </p:grpSpPr>
           <p:sp>
             <p:nvSpPr>
-              <p:cNvPr id="17" name="직사각형 16"/>
+              <p:cNvPr id="32" name="직사각형 31">
+                <a:extLst>
+                  <a:ext uri="{FF2B5EF4-FFF2-40B4-BE49-F238E27FC236}">
+                    <a16:creationId xmlns:a16="http://schemas.microsoft.com/office/drawing/2014/main" id="{99F4DA70-6CCD-367B-A64F-9A3BFB42046C}"/>
+                  </a:ext>
+                </a:extLst>
+              </p:cNvPr>
               <p:cNvSpPr/>
               <p:nvPr/>
             </p:nvSpPr>
@@ -4584,7 +4563,13 @@
           </p:sp>
           <p:sp>
             <p:nvSpPr>
-              <p:cNvPr id="18" name="직사각형 17"/>
+              <p:cNvPr id="33" name="직사각형 32">
+                <a:extLst>
+                  <a:ext uri="{FF2B5EF4-FFF2-40B4-BE49-F238E27FC236}">
+                    <a16:creationId xmlns:a16="http://schemas.microsoft.com/office/drawing/2014/main" id="{AE599085-36D8-1201-46C1-37C5CC19B173}"/>
+                  </a:ext>
+                </a:extLst>
+              </p:cNvPr>
               <p:cNvSpPr/>
               <p:nvPr/>
             </p:nvSpPr>
@@ -4641,7 +4626,13 @@
           </p:sp>
           <p:sp>
             <p:nvSpPr>
-              <p:cNvPr id="19" name="직사각형 18"/>
+              <p:cNvPr id="34" name="직사각형 33">
+                <a:extLst>
+                  <a:ext uri="{FF2B5EF4-FFF2-40B4-BE49-F238E27FC236}">
+                    <a16:creationId xmlns:a16="http://schemas.microsoft.com/office/drawing/2014/main" id="{6AB5A495-B7BD-3672-2515-4B4E09FA7536}"/>
+                  </a:ext>
+                </a:extLst>
+              </p:cNvPr>
               <p:cNvSpPr/>
               <p:nvPr/>
             </p:nvSpPr>
@@ -4698,7 +4689,13 @@
           </p:sp>
           <p:sp>
             <p:nvSpPr>
-              <p:cNvPr id="20" name="직사각형 19"/>
+              <p:cNvPr id="35" name="직사각형 34">
+                <a:extLst>
+                  <a:ext uri="{FF2B5EF4-FFF2-40B4-BE49-F238E27FC236}">
+                    <a16:creationId xmlns:a16="http://schemas.microsoft.com/office/drawing/2014/main" id="{D03BE221-B6E4-5D8C-1CA7-B15839063C4C}"/>
+                  </a:ext>
+                </a:extLst>
+              </p:cNvPr>
               <p:cNvSpPr/>
               <p:nvPr/>
             </p:nvSpPr>
@@ -4755,7 +4752,13 @@
           </p:sp>
           <p:sp>
             <p:nvSpPr>
-              <p:cNvPr id="21" name="직사각형 20"/>
+              <p:cNvPr id="36" name="직사각형 35">
+                <a:extLst>
+                  <a:ext uri="{FF2B5EF4-FFF2-40B4-BE49-F238E27FC236}">
+                    <a16:creationId xmlns:a16="http://schemas.microsoft.com/office/drawing/2014/main" id="{4FE503EF-6280-D4AF-717C-46859079ECD1}"/>
+                  </a:ext>
+                </a:extLst>
+              </p:cNvPr>
               <p:cNvSpPr/>
               <p:nvPr/>
             </p:nvSpPr>
@@ -4813,7 +4816,13 @@
         </p:grpSp>
         <p:sp>
           <p:nvSpPr>
-            <p:cNvPr id="8" name="직사각형 7"/>
+            <p:cNvPr id="24" name="직사각형 23">
+              <a:extLst>
+                <a:ext uri="{FF2B5EF4-FFF2-40B4-BE49-F238E27FC236}">
+                  <a16:creationId xmlns:a16="http://schemas.microsoft.com/office/drawing/2014/main" id="{4E2D9C5E-134B-B875-044F-CAEF5F779A0C}"/>
+                </a:ext>
+              </a:extLst>
+            </p:cNvPr>
             <p:cNvSpPr/>
             <p:nvPr/>
           </p:nvSpPr>
@@ -4833,7 +4842,7 @@
             <a:lstStyle/>
             <a:p>
               <a:r>
-                <a:rPr lang="en-US" altLang="ko-KR" sz="1400" dirty="0" smtClean="0">
+                <a:rPr lang="en-US" altLang="ko-KR" sz="1400" dirty="0">
                   <a:solidFill>
                     <a:srgbClr val="C00000"/>
                   </a:solidFill>
@@ -4851,7 +4860,13 @@
         </p:sp>
         <p:sp>
           <p:nvSpPr>
-            <p:cNvPr id="10" name="직사각형 9"/>
+            <p:cNvPr id="25" name="직사각형 24">
+              <a:extLst>
+                <a:ext uri="{FF2B5EF4-FFF2-40B4-BE49-F238E27FC236}">
+                  <a16:creationId xmlns:a16="http://schemas.microsoft.com/office/drawing/2014/main" id="{2078095D-4889-FA49-C108-EC73DA1393DA}"/>
+                </a:ext>
+              </a:extLst>
+            </p:cNvPr>
             <p:cNvSpPr/>
             <p:nvPr/>
           </p:nvSpPr>
@@ -4871,7 +4886,7 @@
             <a:lstStyle/>
             <a:p>
               <a:r>
-                <a:rPr lang="en-US" altLang="ko-KR" sz="1400" dirty="0" smtClean="0">
+                <a:rPr lang="en-US" altLang="ko-KR" sz="1400" dirty="0">
                   <a:solidFill>
                     <a:srgbClr val="C00000"/>
                   </a:solidFill>
@@ -4889,7 +4904,13 @@
         </p:sp>
         <p:sp>
           <p:nvSpPr>
-            <p:cNvPr id="11" name="직사각형 10"/>
+            <p:cNvPr id="26" name="직사각형 25">
+              <a:extLst>
+                <a:ext uri="{FF2B5EF4-FFF2-40B4-BE49-F238E27FC236}">
+                  <a16:creationId xmlns:a16="http://schemas.microsoft.com/office/drawing/2014/main" id="{82B71821-2E8F-5983-C227-B40C26721EF9}"/>
+                </a:ext>
+              </a:extLst>
+            </p:cNvPr>
             <p:cNvSpPr/>
             <p:nvPr/>
           </p:nvSpPr>
@@ -4918,7 +4939,13 @@
         </p:sp>
         <p:sp>
           <p:nvSpPr>
-            <p:cNvPr id="12" name="직사각형 11"/>
+            <p:cNvPr id="27" name="직사각형 26">
+              <a:extLst>
+                <a:ext uri="{FF2B5EF4-FFF2-40B4-BE49-F238E27FC236}">
+                  <a16:creationId xmlns:a16="http://schemas.microsoft.com/office/drawing/2014/main" id="{1F12FCCC-917D-3706-1FA0-476AC51D84A1}"/>
+                </a:ext>
+              </a:extLst>
+            </p:cNvPr>
             <p:cNvSpPr/>
             <p:nvPr/>
           </p:nvSpPr>
@@ -4938,7 +4965,7 @@
             <a:lstStyle/>
             <a:p>
               <a:r>
-                <a:rPr lang="en-US" altLang="ko-KR" sz="1400" dirty="0" smtClean="0">
+                <a:rPr lang="en-US" altLang="ko-KR" sz="1400" dirty="0">
                   <a:latin typeface="Consolas" panose="020B0609020204030204" pitchFamily="49" charset="0"/>
                 </a:rPr>
                 <a:t>[0]</a:t>
@@ -4951,7 +4978,13 @@
         </p:sp>
         <p:sp>
           <p:nvSpPr>
-            <p:cNvPr id="13" name="직사각형 12"/>
+            <p:cNvPr id="28" name="직사각형 27">
+              <a:extLst>
+                <a:ext uri="{FF2B5EF4-FFF2-40B4-BE49-F238E27FC236}">
+                  <a16:creationId xmlns:a16="http://schemas.microsoft.com/office/drawing/2014/main" id="{12780C4E-14E6-881E-ABFD-4668FE2E86BC}"/>
+                </a:ext>
+              </a:extLst>
+            </p:cNvPr>
             <p:cNvSpPr/>
             <p:nvPr/>
           </p:nvSpPr>
@@ -4971,7 +5004,7 @@
             <a:lstStyle/>
             <a:p>
               <a:r>
-                <a:rPr lang="en-US" altLang="ko-KR" sz="1400" dirty="0" smtClean="0">
+                <a:rPr lang="en-US" altLang="ko-KR" sz="1400" dirty="0">
                   <a:latin typeface="Consolas" panose="020B0609020204030204" pitchFamily="49" charset="0"/>
                 </a:rPr>
                 <a:t>[1]</a:t>
@@ -4984,7 +5017,13 @@
         </p:sp>
         <p:sp>
           <p:nvSpPr>
-            <p:cNvPr id="14" name="직사각형 13"/>
+            <p:cNvPr id="29" name="직사각형 28">
+              <a:extLst>
+                <a:ext uri="{FF2B5EF4-FFF2-40B4-BE49-F238E27FC236}">
+                  <a16:creationId xmlns:a16="http://schemas.microsoft.com/office/drawing/2014/main" id="{35018EEB-1BE3-FE86-6EFA-B6A5072DF88B}"/>
+                </a:ext>
+              </a:extLst>
+            </p:cNvPr>
             <p:cNvSpPr/>
             <p:nvPr/>
           </p:nvSpPr>
@@ -5004,7 +5043,7 @@
             <a:lstStyle/>
             <a:p>
               <a:r>
-                <a:rPr lang="en-US" altLang="ko-KR" sz="1400" dirty="0" smtClean="0">
+                <a:rPr lang="en-US" altLang="ko-KR" sz="1400" dirty="0">
                   <a:latin typeface="Consolas" panose="020B0609020204030204" pitchFamily="49" charset="0"/>
                 </a:rPr>
                 <a:t>[2]</a:t>
@@ -5017,7 +5056,13 @@
         </p:sp>
         <p:sp>
           <p:nvSpPr>
-            <p:cNvPr id="15" name="직사각형 14"/>
+            <p:cNvPr id="30" name="직사각형 29">
+              <a:extLst>
+                <a:ext uri="{FF2B5EF4-FFF2-40B4-BE49-F238E27FC236}">
+                  <a16:creationId xmlns:a16="http://schemas.microsoft.com/office/drawing/2014/main" id="{4EF48B8C-1641-B87B-4623-4FDBB633C831}"/>
+                </a:ext>
+              </a:extLst>
+            </p:cNvPr>
             <p:cNvSpPr/>
             <p:nvPr/>
           </p:nvSpPr>
@@ -5037,7 +5082,7 @@
             <a:lstStyle/>
             <a:p>
               <a:r>
-                <a:rPr lang="en-US" altLang="ko-KR" sz="1400" dirty="0" smtClean="0">
+                <a:rPr lang="en-US" altLang="ko-KR" sz="1400" dirty="0">
                   <a:latin typeface="Consolas" panose="020B0609020204030204" pitchFamily="49" charset="0"/>
                 </a:rPr>
                 <a:t>[3]</a:t>
@@ -5050,7 +5095,13 @@
         </p:sp>
         <p:sp>
           <p:nvSpPr>
-            <p:cNvPr id="16" name="직사각형 15"/>
+            <p:cNvPr id="31" name="직사각형 30">
+              <a:extLst>
+                <a:ext uri="{FF2B5EF4-FFF2-40B4-BE49-F238E27FC236}">
+                  <a16:creationId xmlns:a16="http://schemas.microsoft.com/office/drawing/2014/main" id="{FEE5D07C-6C1B-D675-0EB8-C08E01271007}"/>
+                </a:ext>
+              </a:extLst>
+            </p:cNvPr>
             <p:cNvSpPr/>
             <p:nvPr/>
           </p:nvSpPr>
@@ -5070,7 +5121,7 @@
             <a:lstStyle/>
             <a:p>
               <a:r>
-                <a:rPr lang="en-US" altLang="ko-KR" sz="1400" dirty="0" smtClean="0">
+                <a:rPr lang="en-US" altLang="ko-KR" sz="1400" dirty="0">
                   <a:latin typeface="Consolas" panose="020B0609020204030204" pitchFamily="49" charset="0"/>
                 </a:rPr>
                 <a:t>[4]</a:t>
@@ -5082,23 +5133,334 @@
           </p:txBody>
         </p:sp>
       </p:grpSp>
+      <p:sp>
+        <p:nvSpPr>
+          <p:cNvPr id="37" name="직사각형 36">
+            <a:extLst>
+              <a:ext uri="{FF2B5EF4-FFF2-40B4-BE49-F238E27FC236}">
+                <a16:creationId xmlns:a16="http://schemas.microsoft.com/office/drawing/2014/main" id="{F366E3AF-39B2-77CE-C3CB-DE72FD480B5F}"/>
+              </a:ext>
+            </a:extLst>
+          </p:cNvPr>
+          <p:cNvSpPr/>
+          <p:nvPr/>
+        </p:nvSpPr>
+        <p:spPr>
+          <a:xfrm>
+            <a:off x="5616814" y="5242757"/>
+            <a:ext cx="6869825" cy="1815882"/>
+          </a:xfrm>
+          <a:prstGeom prst="rect">
+            <a:avLst/>
+          </a:prstGeom>
+          <a:solidFill>
+            <a:schemeClr val="bg1">
+              <a:lumMod val="85000"/>
+            </a:schemeClr>
+          </a:solidFill>
+          <a:ln>
+            <a:solidFill>
+              <a:schemeClr val="bg1">
+                <a:lumMod val="50000"/>
+              </a:schemeClr>
+            </a:solidFill>
+          </a:ln>
+        </p:spPr>
+        <p:txBody>
+          <a:bodyPr wrap="square">
+            <a:spAutoFit/>
+          </a:bodyPr>
+          <a:lstStyle/>
+          <a:p>
+            <a:r>
+              <a:rPr lang="en-US" altLang="ko-KR" sz="1600" dirty="0"/>
+              <a:t>Quiz:  </a:t>
+            </a:r>
+          </a:p>
+          <a:p>
+            <a:r>
+              <a:rPr lang="en-US" altLang="ko-KR" sz="1600"/>
+              <a:t>1. How </a:t>
+            </a:r>
+            <a:r>
+              <a:rPr lang="en-US" altLang="ko-KR" sz="1600" dirty="0"/>
+              <a:t>many failures occurred?</a:t>
+            </a:r>
+          </a:p>
+          <a:p>
+            <a:r>
+              <a:rPr lang="en-US" altLang="ko-KR" sz="1600"/>
+              <a:t>2. At </a:t>
+            </a:r>
+            <a:r>
+              <a:rPr lang="en-US" altLang="ko-KR" sz="1600" dirty="0"/>
+              <a:t>the end of running this main</a:t>
+            </a:r>
+            <a:r>
+              <a:rPr lang="en-US" altLang="ko-KR" sz="1600"/>
+              <a:t>(), </a:t>
+            </a:r>
+          </a:p>
+          <a:p>
+            <a:r>
+              <a:rPr lang="en-US" altLang="ko-KR" sz="1600"/>
+              <a:t>    (1) draw </a:t>
+            </a:r>
+            <a:r>
+              <a:rPr lang="en-US" altLang="ko-KR" sz="1600" dirty="0"/>
+              <a:t>a diagram that shows the status of queue </a:t>
+            </a:r>
+            <a:r>
+              <a:rPr lang="en-US" altLang="ko-KR" sz="1600"/>
+              <a:t>items and</a:t>
+            </a:r>
+          </a:p>
+          <a:p>
+            <a:r>
+              <a:rPr lang="en-US" altLang="ko-KR" sz="1600"/>
+              <a:t>     the </a:t>
+            </a:r>
+            <a:r>
+              <a:rPr lang="en-US" altLang="ko-KR" sz="1600" dirty="0"/>
+              <a:t>locations of </a:t>
+            </a:r>
+            <a:r>
+              <a:rPr lang="en-US" altLang="ko-KR" sz="1600" dirty="0">
+                <a:solidFill>
+                  <a:srgbClr val="C00000"/>
+                </a:solidFill>
+              </a:rPr>
+              <a:t>front and rear.</a:t>
+            </a:r>
+            <a:r>
+              <a:rPr lang="en-US" altLang="ko-KR" sz="1600"/>
+              <a:t/>
+            </a:r>
+            <a:br>
+              <a:rPr lang="en-US" altLang="ko-KR" sz="1600"/>
+            </a:br>
+            <a:r>
+              <a:rPr lang="en-US" altLang="ko-KR" sz="1600"/>
+              <a:t>    (</a:t>
+            </a:r>
+            <a:r>
+              <a:rPr lang="en-US" altLang="ko-KR" sz="1600" dirty="0"/>
+              <a:t>2) write elements in the queue from front to </a:t>
+            </a:r>
+            <a:r>
+              <a:rPr lang="en-US" altLang="ko-KR" sz="1600"/>
+              <a:t>rear.</a:t>
+            </a:r>
+          </a:p>
+          <a:p>
+            <a:r>
+              <a:rPr lang="en-US" altLang="ko-KR" sz="1600"/>
+              <a:t>3 Debug display() function and complete assert() statement.</a:t>
+            </a:r>
+            <a:endParaRPr lang="en-US" altLang="ko-KR" sz="1600" dirty="0"/>
+          </a:p>
+        </p:txBody>
+      </p:sp>
+      <p:sp>
+        <p:nvSpPr>
+          <p:cNvPr id="38" name="직사각형 37">
+            <a:extLst>
+              <a:ext uri="{FF2B5EF4-FFF2-40B4-BE49-F238E27FC236}">
+                <a16:creationId xmlns:a16="http://schemas.microsoft.com/office/drawing/2014/main" id="{A9888FEA-576E-C851-661F-5AC0999D05DC}"/>
+              </a:ext>
+            </a:extLst>
+          </p:cNvPr>
+          <p:cNvSpPr/>
+          <p:nvPr/>
+        </p:nvSpPr>
+        <p:spPr>
+          <a:xfrm>
+            <a:off x="5616814" y="1103086"/>
+            <a:ext cx="2983345" cy="3970318"/>
+          </a:xfrm>
+          <a:prstGeom prst="rect">
+            <a:avLst/>
+          </a:prstGeom>
+          <a:solidFill>
+            <a:schemeClr val="bg1">
+              <a:lumMod val="95000"/>
+            </a:schemeClr>
+          </a:solidFill>
+          <a:ln>
+            <a:solidFill>
+              <a:schemeClr val="bg1">
+                <a:lumMod val="65000"/>
+              </a:schemeClr>
+            </a:solidFill>
+          </a:ln>
+        </p:spPr>
+        <p:txBody>
+          <a:bodyPr wrap="square">
+            <a:spAutoFit/>
+          </a:bodyPr>
+          <a:lstStyle/>
+          <a:p>
+            <a:r>
+              <a:rPr lang="en-US" altLang="ko-KR" sz="1400" b="1">
+                <a:highlight>
+                  <a:srgbClr val="FFFF00"/>
+                </a:highlight>
+                <a:latin typeface="Consolas" panose="020B0609020204030204" pitchFamily="49" charset="0"/>
+              </a:rPr>
+              <a:t>Expected Output:</a:t>
+            </a:r>
+          </a:p>
+          <a:p>
+            <a:r>
+              <a:rPr lang="en-US" altLang="ko-KR" sz="1400">
+                <a:latin typeface="Consolas" panose="020B0609020204030204" pitchFamily="49" charset="0"/>
+              </a:rPr>
+              <a:t>Queue is empty</a:t>
+            </a:r>
+          </a:p>
+          <a:p>
+            <a:r>
+              <a:rPr lang="en-US" altLang="ko-KR" sz="1400">
+                <a:latin typeface="Consolas" panose="020B0609020204030204" pitchFamily="49" charset="0"/>
+              </a:rPr>
+              <a:t>enqueued: 1</a:t>
+            </a:r>
+          </a:p>
+          <a:p>
+            <a:r>
+              <a:rPr lang="en-US" altLang="ko-KR" sz="1400">
+                <a:latin typeface="Consolas" panose="020B0609020204030204" pitchFamily="49" charset="0"/>
+              </a:rPr>
+              <a:t>enqueued: 2</a:t>
+            </a:r>
+          </a:p>
+          <a:p>
+            <a:r>
+              <a:rPr lang="en-US" altLang="ko-KR" sz="1400">
+                <a:latin typeface="Consolas" panose="020B0609020204030204" pitchFamily="49" charset="0"/>
+              </a:rPr>
+              <a:t>enqueued: 3</a:t>
+            </a:r>
+          </a:p>
+          <a:p>
+            <a:r>
+              <a:rPr lang="en-US" altLang="ko-KR" sz="1400">
+                <a:latin typeface="Consolas" panose="020B0609020204030204" pitchFamily="49" charset="0"/>
+              </a:rPr>
+              <a:t>enqueued: 4</a:t>
+            </a:r>
+          </a:p>
+          <a:p>
+            <a:r>
+              <a:rPr lang="en-US" altLang="ko-KR" sz="1400">
+                <a:latin typeface="Consolas" panose="020B0609020204030204" pitchFamily="49" charset="0"/>
+              </a:rPr>
+              <a:t>enqueued: 5</a:t>
+            </a:r>
+          </a:p>
+          <a:p>
+            <a:r>
+              <a:rPr lang="en-US" altLang="ko-KR" sz="1400">
+                <a:latin typeface="Consolas" panose="020B0609020204030204" pitchFamily="49" charset="0"/>
+              </a:rPr>
+              <a:t>Queue is full</a:t>
+            </a:r>
+          </a:p>
+          <a:p>
+            <a:r>
+              <a:rPr lang="en-US" altLang="ko-KR" sz="1400">
+                <a:latin typeface="Consolas" panose="020B0609020204030204" pitchFamily="49" charset="0"/>
+              </a:rPr>
+              <a:t>Front[0], Rear[4]</a:t>
+            </a:r>
+          </a:p>
+          <a:p>
+            <a:r>
+              <a:rPr lang="en-US" altLang="ko-KR" sz="1400">
+                <a:latin typeface="Consolas" panose="020B0609020204030204" pitchFamily="49" charset="0"/>
+              </a:rPr>
+              <a:t>Items[1, 2, 3, 4, 5]</a:t>
+            </a:r>
+          </a:p>
+          <a:p>
+            <a:r>
+              <a:rPr lang="en-US" altLang="ko-KR" sz="1400">
+                <a:latin typeface="Consolas" panose="020B0609020204030204" pitchFamily="49" charset="0"/>
+              </a:rPr>
+              <a:t>dequeued: 1</a:t>
+            </a:r>
+          </a:p>
+          <a:p>
+            <a:r>
+              <a:rPr lang="en-US" altLang="ko-KR" sz="1400">
+                <a:latin typeface="Consolas" panose="020B0609020204030204" pitchFamily="49" charset="0"/>
+              </a:rPr>
+              <a:t>Front[1], Rear[4]</a:t>
+            </a:r>
+          </a:p>
+          <a:p>
+            <a:r>
+              <a:rPr lang="en-US" altLang="ko-KR" sz="1400">
+                <a:latin typeface="Consolas" panose="020B0609020204030204" pitchFamily="49" charset="0"/>
+              </a:rPr>
+              <a:t>...</a:t>
+            </a:r>
+          </a:p>
+          <a:p>
+            <a:r>
+              <a:rPr lang="en-US" altLang="ko-KR" sz="1400">
+                <a:latin typeface="Consolas" panose="020B0609020204030204" pitchFamily="49" charset="0"/>
+              </a:rPr>
+              <a:t>...</a:t>
+            </a:r>
+          </a:p>
+          <a:p>
+            <a:r>
+              <a:rPr lang="en-US" altLang="ko-KR" sz="1400">
+                <a:latin typeface="Consolas" panose="020B0609020204030204" pitchFamily="49" charset="0"/>
+              </a:rPr>
+              <a:t>Front[1], Rear[0]</a:t>
+            </a:r>
+          </a:p>
+          <a:p>
+            <a:r>
+              <a:rPr lang="en-US" altLang="ko-KR" sz="1400">
+                <a:latin typeface="Consolas" panose="020B0609020204030204" pitchFamily="49" charset="0"/>
+              </a:rPr>
+              <a:t>Items[2, 3, 4, 5, 7]</a:t>
+            </a:r>
+          </a:p>
+          <a:p>
+            <a:r>
+              <a:rPr lang="en-US" altLang="ko-KR" sz="1400">
+                <a:latin typeface="Consolas" panose="020B0609020204030204" pitchFamily="49" charset="0"/>
+              </a:rPr>
+              <a:t>...</a:t>
+            </a:r>
+          </a:p>
+          <a:p>
+            <a:r>
+              <a:rPr lang="en-US" altLang="ko-KR" sz="1400">
+                <a:latin typeface="Consolas" panose="020B0609020204030204" pitchFamily="49" charset="0"/>
+              </a:rPr>
+              <a:t>...</a:t>
+            </a:r>
+            <a:endParaRPr lang="ko-KR" altLang="en-US" sz="1400" dirty="0">
+              <a:latin typeface="Consolas" panose="020B0609020204030204" pitchFamily="49" charset="0"/>
+            </a:endParaRPr>
+          </a:p>
+        </p:txBody>
+      </p:sp>
     </p:spTree>
     <p:extLst>
       <p:ext uri="{BB962C8B-B14F-4D97-AF65-F5344CB8AC3E}">
-        <p14:creationId xmlns:p14="http://schemas.microsoft.com/office/powerpoint/2010/main" val="859652341"/>
+        <p14:creationId xmlns:p14="http://schemas.microsoft.com/office/powerpoint/2010/main" val="2985154701"/>
       </p:ext>
     </p:extLst>
   </p:cSld>
   <p:clrMapOvr>
     <a:masterClrMapping/>
   </p:clrMapOvr>
-  <p:timing>
-    <p:tnLst>
-      <p:par>
-        <p:cTn id="1" dur="indefinite" restart="never" nodeType="tmRoot"/>
-      </p:par>
-    </p:tnLst>
-  </p:timing>
 </p:sld>
 </file>
 
